--- a/TEK DA Boot Camp Capstone.pptx
+++ b/TEK DA Boot Camp Capstone.pptx
@@ -14271,32 +14271,20 @@
           </a:p>
           <a:p>
             <a:r>
+              <a:rPr lang="en-US" b="1">
+                <a:solidFill>
+                  <a:srgbClr val="0097D9"/>
+                </a:solidFill>
+              </a:rPr>
+              <a:t>Usage </a:t>
+            </a:r>
+            <a:r>
               <a:rPr lang="en-US" b="1" dirty="0">
                 <a:solidFill>
                   <a:srgbClr val="0097D9"/>
                 </a:solidFill>
               </a:rPr>
-              <a:t>Viz in Tooltips – </a:t>
-            </a:r>
-            <a:r>
-              <a:rPr lang="en-US" dirty="0">
-                <a:solidFill>
-                  <a:schemeClr val="tx2">
-                    <a:lumMod val="10000"/>
-                  </a:schemeClr>
-                </a:solidFill>
-              </a:rPr>
-              <a:t>Created a view from tooltips for a further visualization when hovering over a map.</a:t>
-            </a:r>
-          </a:p>
-          <a:p>
-            <a:r>
-              <a:rPr lang="en-US" b="1" dirty="0">
-                <a:solidFill>
-                  <a:srgbClr val="0097D9"/>
-                </a:solidFill>
-              </a:rPr>
-              <a:t>Usage of Viz not in Tableau – </a:t>
+              <a:t>of Viz not in Tableau – </a:t>
             </a:r>
             <a:r>
               <a:rPr lang="en-US" dirty="0">
@@ -14360,13 +14348,13 @@
   <p:clrMapOvr>
     <a:masterClrMapping/>
   </p:clrMapOvr>
-  <mc:AlternateContent xmlns:mc="http://schemas.openxmlformats.org/markup-compatibility/2006">
-    <mc:Choice xmlns:p14="http://schemas.microsoft.com/office/powerpoint/2010/main" Requires="p14">
+  <mc:AlternateContent xmlns:mc="http://schemas.openxmlformats.org/markup-compatibility/2006" xmlns:p14="http://schemas.microsoft.com/office/powerpoint/2010/main">
+    <mc:Choice Requires="p14">
       <p:transition spd="med" p14:dur="700">
         <p:fade/>
       </p:transition>
     </mc:Choice>
-    <mc:Fallback>
+    <mc:Fallback xmlns="">
       <p:transition spd="med">
         <p:fade/>
       </p:transition>
@@ -15325,6 +15313,21 @@
 </file>
 
 <file path=customXml/item1.xml><?xml version="1.0" encoding="utf-8"?>
+<?mso-contentType ?>
+<FormTemplates xmlns="http://schemas.microsoft.com/sharepoint/v3/contenttype/forms">
+  <Display>DocumentLibraryForm</Display>
+  <Edit>DocumentLibraryForm</Edit>
+  <New>DocumentLibraryForm</New>
+</FormTemplates>
+</file>
+
+<file path=customXml/item2.xml><?xml version="1.0" encoding="utf-8"?>
+<p:properties xmlns:p="http://schemas.microsoft.com/office/2006/metadata/properties" xmlns:xsi="http://www.w3.org/2001/XMLSchema-instance" xmlns:pc="http://schemas.microsoft.com/office/infopath/2007/PartnerControls">
+  <documentManagement/>
+</p:properties>
+</file>
+
+<file path=customXml/item3.xml><?xml version="1.0" encoding="utf-8"?>
 <ct:contentTypeSchema xmlns:ct="http://schemas.microsoft.com/office/2006/metadata/contentType" xmlns:ma="http://schemas.microsoft.com/office/2006/metadata/properties/metaAttributes" ct:_="" ma:_="" ma:contentTypeName="Document" ma:contentTypeID="0x010100FEF7458C51E57141848015B90E19E3FF" ma:contentTypeVersion="7" ma:contentTypeDescription="Create a new document." ma:contentTypeScope="" ma:versionID="83f648d576e601b92f7142a7f572c300">
   <xsd:schema xmlns:xsd="http://www.w3.org/2001/XMLSchema" xmlns:xs="http://www.w3.org/2001/XMLSchema" xmlns:p="http://schemas.microsoft.com/office/2006/metadata/properties" xmlns:ns2="d2a9f884-c2eb-4182-8d97-b2c1069a1e77" xmlns:ns3="ad1dcd44-2c79-421e-996d-e07b6b6a06b7" targetNamespace="http://schemas.microsoft.com/office/2006/metadata/properties" ma:root="true" ma:fieldsID="0d22376f87372475b46127375c8e888e" ns2:_="" ns3:_="">
     <xsd:import namespace="d2a9f884-c2eb-4182-8d97-b2c1069a1e77"/>
@@ -15509,36 +15512,10 @@
 </ct:contentTypeSchema>
 </file>
 
-<file path=customXml/item2.xml><?xml version="1.0" encoding="utf-8"?>
-<p:properties xmlns:p="http://schemas.microsoft.com/office/2006/metadata/properties" xmlns:xsi="http://www.w3.org/2001/XMLSchema-instance" xmlns:pc="http://schemas.microsoft.com/office/infopath/2007/PartnerControls">
-  <documentManagement/>
-</p:properties>
-</file>
-
-<file path=customXml/item3.xml><?xml version="1.0" encoding="utf-8"?>
-<?mso-contentType ?>
-<FormTemplates xmlns="http://schemas.microsoft.com/sharepoint/v3/contenttype/forms">
-  <Display>DocumentLibraryForm</Display>
-  <Edit>DocumentLibraryForm</Edit>
-  <New>DocumentLibraryForm</New>
-</FormTemplates>
-</file>
-
 <file path=customXml/itemProps1.xml><?xml version="1.0" encoding="utf-8"?>
-<ds:datastoreItem xmlns:ds="http://schemas.openxmlformats.org/officeDocument/2006/customXml" ds:itemID="{6062DE58-109F-4D2D-8F00-D49A02B03B4B}">
+<ds:datastoreItem xmlns:ds="http://schemas.openxmlformats.org/officeDocument/2006/customXml" ds:itemID="{F11117D9-2152-408D-8EA9-A138D8484626}">
   <ds:schemaRefs>
-    <ds:schemaRef ds:uri="http://schemas.microsoft.com/office/2006/metadata/contentType"/>
-    <ds:schemaRef ds:uri="http://schemas.microsoft.com/office/2006/metadata/properties/metaAttributes"/>
-    <ds:schemaRef ds:uri="http://www.w3.org/2001/XMLSchema"/>
-    <ds:schemaRef ds:uri="http://schemas.microsoft.com/office/2006/metadata/properties"/>
-    <ds:schemaRef ds:uri="d2a9f884-c2eb-4182-8d97-b2c1069a1e77"/>
-    <ds:schemaRef ds:uri="ad1dcd44-2c79-421e-996d-e07b6b6a06b7"/>
-    <ds:schemaRef ds:uri="http://schemas.microsoft.com/office/2006/documentManagement/types"/>
-    <ds:schemaRef ds:uri="http://schemas.microsoft.com/office/infopath/2007/PartnerControls"/>
-    <ds:schemaRef ds:uri="http://schemas.openxmlformats.org/package/2006/metadata/core-properties"/>
-    <ds:schemaRef ds:uri="http://purl.org/dc/elements/1.1/"/>
-    <ds:schemaRef ds:uri="http://purl.org/dc/terms/"/>
-    <ds:schemaRef ds:uri="http://schemas.microsoft.com/internal/obd"/>
+    <ds:schemaRef ds:uri="http://schemas.microsoft.com/sharepoint/v3/contenttype/forms"/>
   </ds:schemaRefs>
 </ds:datastoreItem>
 </file>
@@ -15561,9 +15538,20 @@
 </file>
 
 <file path=customXml/itemProps3.xml><?xml version="1.0" encoding="utf-8"?>
-<ds:datastoreItem xmlns:ds="http://schemas.openxmlformats.org/officeDocument/2006/customXml" ds:itemID="{F11117D9-2152-408D-8EA9-A138D8484626}">
+<ds:datastoreItem xmlns:ds="http://schemas.openxmlformats.org/officeDocument/2006/customXml" ds:itemID="{6062DE58-109F-4D2D-8F00-D49A02B03B4B}">
   <ds:schemaRefs>
-    <ds:schemaRef ds:uri="http://schemas.microsoft.com/sharepoint/v3/contenttype/forms"/>
+    <ds:schemaRef ds:uri="http://schemas.microsoft.com/office/2006/metadata/contentType"/>
+    <ds:schemaRef ds:uri="http://schemas.microsoft.com/office/2006/metadata/properties/metaAttributes"/>
+    <ds:schemaRef ds:uri="http://www.w3.org/2001/XMLSchema"/>
+    <ds:schemaRef ds:uri="http://schemas.microsoft.com/office/2006/metadata/properties"/>
+    <ds:schemaRef ds:uri="d2a9f884-c2eb-4182-8d97-b2c1069a1e77"/>
+    <ds:schemaRef ds:uri="ad1dcd44-2c79-421e-996d-e07b6b6a06b7"/>
+    <ds:schemaRef ds:uri="http://schemas.microsoft.com/office/2006/documentManagement/types"/>
+    <ds:schemaRef ds:uri="http://schemas.microsoft.com/office/infopath/2007/PartnerControls"/>
+    <ds:schemaRef ds:uri="http://schemas.openxmlformats.org/package/2006/metadata/core-properties"/>
+    <ds:schemaRef ds:uri="http://purl.org/dc/elements/1.1/"/>
+    <ds:schemaRef ds:uri="http://purl.org/dc/terms/"/>
+    <ds:schemaRef ds:uri="http://schemas.microsoft.com/internal/obd"/>
   </ds:schemaRefs>
 </ds:datastoreItem>
 </file>
--- a/TEK DA Boot Camp Capstone.pptx
+++ b/TEK DA Boot Camp Capstone.pptx
@@ -13916,7 +13916,17 @@
                   <a:srgbClr val="0097D9"/>
                 </a:solidFill>
               </a:rPr>
-              <a:t>Zillow.com  –  </a:t>
+              <a:t>Dol.gov – </a:t>
+            </a:r>
+            <a:r>
+              <a:rPr lang="en-US" b="1" dirty="0">
+                <a:solidFill>
+                  <a:schemeClr val="tx2">
+                    <a:lumMod val="10000"/>
+                  </a:schemeClr>
+                </a:solidFill>
+              </a:rPr>
+              <a:t> </a:t>
             </a:r>
             <a:r>
               <a:rPr lang="en-US" dirty="0">
@@ -13926,7 +13936,27 @@
                   </a:schemeClr>
                 </a:solidFill>
               </a:rPr>
-              <a:t>Zillow.com is an online American real estate company. They publish their research regarding the housing market under Zillow.com/research/</a:t>
+              <a:t>Dol.gov is the official website of the US Department of Labor. They publish datasets of their surveys about the US population characteristics and economy</a:t>
+            </a:r>
+          </a:p>
+          <a:p>
+            <a:r>
+              <a:rPr lang="en-US" b="1" dirty="0">
+                <a:solidFill>
+                  <a:srgbClr val="0097D9"/>
+                </a:solidFill>
+              </a:rPr>
+              <a:t>Zillow.com  –  </a:t>
+            </a:r>
+            <a:r>
+              <a:rPr lang="en-US" dirty="0">
+                <a:solidFill>
+                  <a:schemeClr val="tx2">
+                    <a:lumMod val="10000"/>
+                  </a:schemeClr>
+                </a:solidFill>
+              </a:rPr>
+              <a:t>Zillow.com is an online American real estate company. Their Wage and Hour Division publishes data about labor laws and wages.</a:t>
             </a:r>
           </a:p>
           <a:p>
@@ -15313,21 +15343,6 @@
 </file>
 
 <file path=customXml/item1.xml><?xml version="1.0" encoding="utf-8"?>
-<?mso-contentType ?>
-<FormTemplates xmlns="http://schemas.microsoft.com/sharepoint/v3/contenttype/forms">
-  <Display>DocumentLibraryForm</Display>
-  <Edit>DocumentLibraryForm</Edit>
-  <New>DocumentLibraryForm</New>
-</FormTemplates>
-</file>
-
-<file path=customXml/item2.xml><?xml version="1.0" encoding="utf-8"?>
-<p:properties xmlns:p="http://schemas.microsoft.com/office/2006/metadata/properties" xmlns:xsi="http://www.w3.org/2001/XMLSchema-instance" xmlns:pc="http://schemas.microsoft.com/office/infopath/2007/PartnerControls">
-  <documentManagement/>
-</p:properties>
-</file>
-
-<file path=customXml/item3.xml><?xml version="1.0" encoding="utf-8"?>
 <ct:contentTypeSchema xmlns:ct="http://schemas.microsoft.com/office/2006/metadata/contentType" xmlns:ma="http://schemas.microsoft.com/office/2006/metadata/properties/metaAttributes" ct:_="" ma:_="" ma:contentTypeName="Document" ma:contentTypeID="0x010100FEF7458C51E57141848015B90E19E3FF" ma:contentTypeVersion="7" ma:contentTypeDescription="Create a new document." ma:contentTypeScope="" ma:versionID="83f648d576e601b92f7142a7f572c300">
   <xsd:schema xmlns:xsd="http://www.w3.org/2001/XMLSchema" xmlns:xs="http://www.w3.org/2001/XMLSchema" xmlns:p="http://schemas.microsoft.com/office/2006/metadata/properties" xmlns:ns2="d2a9f884-c2eb-4182-8d97-b2c1069a1e77" xmlns:ns3="ad1dcd44-2c79-421e-996d-e07b6b6a06b7" targetNamespace="http://schemas.microsoft.com/office/2006/metadata/properties" ma:root="true" ma:fieldsID="0d22376f87372475b46127375c8e888e" ns2:_="" ns3:_="">
     <xsd:import namespace="d2a9f884-c2eb-4182-8d97-b2c1069a1e77"/>
@@ -15512,10 +15527,36 @@
 </ct:contentTypeSchema>
 </file>
 
+<file path=customXml/item2.xml><?xml version="1.0" encoding="utf-8"?>
+<p:properties xmlns:p="http://schemas.microsoft.com/office/2006/metadata/properties" xmlns:xsi="http://www.w3.org/2001/XMLSchema-instance" xmlns:pc="http://schemas.microsoft.com/office/infopath/2007/PartnerControls">
+  <documentManagement/>
+</p:properties>
+</file>
+
+<file path=customXml/item3.xml><?xml version="1.0" encoding="utf-8"?>
+<?mso-contentType ?>
+<FormTemplates xmlns="http://schemas.microsoft.com/sharepoint/v3/contenttype/forms">
+  <Display>DocumentLibraryForm</Display>
+  <Edit>DocumentLibraryForm</Edit>
+  <New>DocumentLibraryForm</New>
+</FormTemplates>
+</file>
+
 <file path=customXml/itemProps1.xml><?xml version="1.0" encoding="utf-8"?>
-<ds:datastoreItem xmlns:ds="http://schemas.openxmlformats.org/officeDocument/2006/customXml" ds:itemID="{F11117D9-2152-408D-8EA9-A138D8484626}">
+<ds:datastoreItem xmlns:ds="http://schemas.openxmlformats.org/officeDocument/2006/customXml" ds:itemID="{6062DE58-109F-4D2D-8F00-D49A02B03B4B}">
   <ds:schemaRefs>
-    <ds:schemaRef ds:uri="http://schemas.microsoft.com/sharepoint/v3/contenttype/forms"/>
+    <ds:schemaRef ds:uri="http://schemas.microsoft.com/office/2006/metadata/contentType"/>
+    <ds:schemaRef ds:uri="http://schemas.microsoft.com/office/2006/metadata/properties/metaAttributes"/>
+    <ds:schemaRef ds:uri="http://www.w3.org/2001/XMLSchema"/>
+    <ds:schemaRef ds:uri="http://schemas.microsoft.com/office/2006/metadata/properties"/>
+    <ds:schemaRef ds:uri="d2a9f884-c2eb-4182-8d97-b2c1069a1e77"/>
+    <ds:schemaRef ds:uri="ad1dcd44-2c79-421e-996d-e07b6b6a06b7"/>
+    <ds:schemaRef ds:uri="http://schemas.microsoft.com/office/2006/documentManagement/types"/>
+    <ds:schemaRef ds:uri="http://schemas.microsoft.com/office/infopath/2007/PartnerControls"/>
+    <ds:schemaRef ds:uri="http://schemas.openxmlformats.org/package/2006/metadata/core-properties"/>
+    <ds:schemaRef ds:uri="http://purl.org/dc/elements/1.1/"/>
+    <ds:schemaRef ds:uri="http://purl.org/dc/terms/"/>
+    <ds:schemaRef ds:uri="http://schemas.microsoft.com/internal/obd"/>
   </ds:schemaRefs>
 </ds:datastoreItem>
 </file>
@@ -15538,20 +15579,9 @@
 </file>
 
 <file path=customXml/itemProps3.xml><?xml version="1.0" encoding="utf-8"?>
-<ds:datastoreItem xmlns:ds="http://schemas.openxmlformats.org/officeDocument/2006/customXml" ds:itemID="{6062DE58-109F-4D2D-8F00-D49A02B03B4B}">
+<ds:datastoreItem xmlns:ds="http://schemas.openxmlformats.org/officeDocument/2006/customXml" ds:itemID="{F11117D9-2152-408D-8EA9-A138D8484626}">
   <ds:schemaRefs>
-    <ds:schemaRef ds:uri="http://schemas.microsoft.com/office/2006/metadata/contentType"/>
-    <ds:schemaRef ds:uri="http://schemas.microsoft.com/office/2006/metadata/properties/metaAttributes"/>
-    <ds:schemaRef ds:uri="http://www.w3.org/2001/XMLSchema"/>
-    <ds:schemaRef ds:uri="http://schemas.microsoft.com/office/2006/metadata/properties"/>
-    <ds:schemaRef ds:uri="d2a9f884-c2eb-4182-8d97-b2c1069a1e77"/>
-    <ds:schemaRef ds:uri="ad1dcd44-2c79-421e-996d-e07b6b6a06b7"/>
-    <ds:schemaRef ds:uri="http://schemas.microsoft.com/office/2006/documentManagement/types"/>
-    <ds:schemaRef ds:uri="http://schemas.microsoft.com/office/infopath/2007/PartnerControls"/>
-    <ds:schemaRef ds:uri="http://schemas.openxmlformats.org/package/2006/metadata/core-properties"/>
-    <ds:schemaRef ds:uri="http://purl.org/dc/elements/1.1/"/>
-    <ds:schemaRef ds:uri="http://purl.org/dc/terms/"/>
-    <ds:schemaRef ds:uri="http://schemas.microsoft.com/internal/obd"/>
+    <ds:schemaRef ds:uri="http://schemas.microsoft.com/sharepoint/v3/contenttype/forms"/>
   </ds:schemaRefs>
 </ds:datastoreItem>
 </file>
--- a/TEK DA Boot Camp Capstone.pptx
+++ b/TEK DA Boot Camp Capstone.pptx
@@ -13936,7 +13936,7 @@
                   </a:schemeClr>
                 </a:solidFill>
               </a:rPr>
-              <a:t>Dol.gov is the official website of the US Department of Labor. They publish datasets of their surveys about the US population characteristics and economy</a:t>
+              <a:t>Dol.gov is the official website of the US Department of Labor. Their Wage and Hour Division publishes data about labor laws and wages.</a:t>
             </a:r>
           </a:p>
           <a:p>
@@ -13956,8 +13956,25 @@
                   </a:schemeClr>
                 </a:solidFill>
               </a:rPr>
-              <a:t>Zillow.com is an online American real estate company. Their Wage and Hour Division publishes data about labor laws and wages.</a:t>
-            </a:r>
+              <a:t>Zillow.com is an online American real estate company. They publish the data obtained from their listing to calculate home index prices, and median </a:t>
+            </a:r>
+            <a:r>
+              <a:rPr lang="en-US">
+                <a:solidFill>
+                  <a:schemeClr val="tx2">
+                    <a:lumMod val="10000"/>
+                  </a:schemeClr>
+                </a:solidFill>
+              </a:rPr>
+              <a:t>house prices</a:t>
+            </a:r>
+            <a:endParaRPr lang="en-US" dirty="0">
+              <a:solidFill>
+                <a:schemeClr val="tx2">
+                  <a:lumMod val="10000"/>
+                </a:schemeClr>
+              </a:solidFill>
+            </a:endParaRPr>
           </a:p>
           <a:p>
             <a:r>
@@ -15343,6 +15360,21 @@
 </file>
 
 <file path=customXml/item1.xml><?xml version="1.0" encoding="utf-8"?>
+<?mso-contentType ?>
+<FormTemplates xmlns="http://schemas.microsoft.com/sharepoint/v3/contenttype/forms">
+  <Display>DocumentLibraryForm</Display>
+  <Edit>DocumentLibraryForm</Edit>
+  <New>DocumentLibraryForm</New>
+</FormTemplates>
+</file>
+
+<file path=customXml/item2.xml><?xml version="1.0" encoding="utf-8"?>
+<p:properties xmlns:p="http://schemas.microsoft.com/office/2006/metadata/properties" xmlns:xsi="http://www.w3.org/2001/XMLSchema-instance" xmlns:pc="http://schemas.microsoft.com/office/infopath/2007/PartnerControls">
+  <documentManagement/>
+</p:properties>
+</file>
+
+<file path=customXml/item3.xml><?xml version="1.0" encoding="utf-8"?>
 <ct:contentTypeSchema xmlns:ct="http://schemas.microsoft.com/office/2006/metadata/contentType" xmlns:ma="http://schemas.microsoft.com/office/2006/metadata/properties/metaAttributes" ct:_="" ma:_="" ma:contentTypeName="Document" ma:contentTypeID="0x010100FEF7458C51E57141848015B90E19E3FF" ma:contentTypeVersion="7" ma:contentTypeDescription="Create a new document." ma:contentTypeScope="" ma:versionID="83f648d576e601b92f7142a7f572c300">
   <xsd:schema xmlns:xsd="http://www.w3.org/2001/XMLSchema" xmlns:xs="http://www.w3.org/2001/XMLSchema" xmlns:p="http://schemas.microsoft.com/office/2006/metadata/properties" xmlns:ns2="d2a9f884-c2eb-4182-8d97-b2c1069a1e77" xmlns:ns3="ad1dcd44-2c79-421e-996d-e07b6b6a06b7" targetNamespace="http://schemas.microsoft.com/office/2006/metadata/properties" ma:root="true" ma:fieldsID="0d22376f87372475b46127375c8e888e" ns2:_="" ns3:_="">
     <xsd:import namespace="d2a9f884-c2eb-4182-8d97-b2c1069a1e77"/>
@@ -15527,36 +15559,10 @@
 </ct:contentTypeSchema>
 </file>
 
-<file path=customXml/item2.xml><?xml version="1.0" encoding="utf-8"?>
-<p:properties xmlns:p="http://schemas.microsoft.com/office/2006/metadata/properties" xmlns:xsi="http://www.w3.org/2001/XMLSchema-instance" xmlns:pc="http://schemas.microsoft.com/office/infopath/2007/PartnerControls">
-  <documentManagement/>
-</p:properties>
-</file>
-
-<file path=customXml/item3.xml><?xml version="1.0" encoding="utf-8"?>
-<?mso-contentType ?>
-<FormTemplates xmlns="http://schemas.microsoft.com/sharepoint/v3/contenttype/forms">
-  <Display>DocumentLibraryForm</Display>
-  <Edit>DocumentLibraryForm</Edit>
-  <New>DocumentLibraryForm</New>
-</FormTemplates>
-</file>
-
 <file path=customXml/itemProps1.xml><?xml version="1.0" encoding="utf-8"?>
-<ds:datastoreItem xmlns:ds="http://schemas.openxmlformats.org/officeDocument/2006/customXml" ds:itemID="{6062DE58-109F-4D2D-8F00-D49A02B03B4B}">
+<ds:datastoreItem xmlns:ds="http://schemas.openxmlformats.org/officeDocument/2006/customXml" ds:itemID="{F11117D9-2152-408D-8EA9-A138D8484626}">
   <ds:schemaRefs>
-    <ds:schemaRef ds:uri="http://schemas.microsoft.com/office/2006/metadata/contentType"/>
-    <ds:schemaRef ds:uri="http://schemas.microsoft.com/office/2006/metadata/properties/metaAttributes"/>
-    <ds:schemaRef ds:uri="http://www.w3.org/2001/XMLSchema"/>
-    <ds:schemaRef ds:uri="http://schemas.microsoft.com/office/2006/metadata/properties"/>
-    <ds:schemaRef ds:uri="d2a9f884-c2eb-4182-8d97-b2c1069a1e77"/>
-    <ds:schemaRef ds:uri="ad1dcd44-2c79-421e-996d-e07b6b6a06b7"/>
-    <ds:schemaRef ds:uri="http://schemas.microsoft.com/office/2006/documentManagement/types"/>
-    <ds:schemaRef ds:uri="http://schemas.microsoft.com/office/infopath/2007/PartnerControls"/>
-    <ds:schemaRef ds:uri="http://schemas.openxmlformats.org/package/2006/metadata/core-properties"/>
-    <ds:schemaRef ds:uri="http://purl.org/dc/elements/1.1/"/>
-    <ds:schemaRef ds:uri="http://purl.org/dc/terms/"/>
-    <ds:schemaRef ds:uri="http://schemas.microsoft.com/internal/obd"/>
+    <ds:schemaRef ds:uri="http://schemas.microsoft.com/sharepoint/v3/contenttype/forms"/>
   </ds:schemaRefs>
 </ds:datastoreItem>
 </file>
@@ -15579,9 +15585,20 @@
 </file>
 
 <file path=customXml/itemProps3.xml><?xml version="1.0" encoding="utf-8"?>
-<ds:datastoreItem xmlns:ds="http://schemas.openxmlformats.org/officeDocument/2006/customXml" ds:itemID="{F11117D9-2152-408D-8EA9-A138D8484626}">
+<ds:datastoreItem xmlns:ds="http://schemas.openxmlformats.org/officeDocument/2006/customXml" ds:itemID="{6062DE58-109F-4D2D-8F00-D49A02B03B4B}">
   <ds:schemaRefs>
-    <ds:schemaRef ds:uri="http://schemas.microsoft.com/sharepoint/v3/contenttype/forms"/>
+    <ds:schemaRef ds:uri="http://schemas.microsoft.com/office/2006/metadata/contentType"/>
+    <ds:schemaRef ds:uri="http://schemas.microsoft.com/office/2006/metadata/properties/metaAttributes"/>
+    <ds:schemaRef ds:uri="http://www.w3.org/2001/XMLSchema"/>
+    <ds:schemaRef ds:uri="http://schemas.microsoft.com/office/2006/metadata/properties"/>
+    <ds:schemaRef ds:uri="d2a9f884-c2eb-4182-8d97-b2c1069a1e77"/>
+    <ds:schemaRef ds:uri="ad1dcd44-2c79-421e-996d-e07b6b6a06b7"/>
+    <ds:schemaRef ds:uri="http://schemas.microsoft.com/office/2006/documentManagement/types"/>
+    <ds:schemaRef ds:uri="http://schemas.microsoft.com/office/infopath/2007/PartnerControls"/>
+    <ds:schemaRef ds:uri="http://schemas.openxmlformats.org/package/2006/metadata/core-properties"/>
+    <ds:schemaRef ds:uri="http://purl.org/dc/elements/1.1/"/>
+    <ds:schemaRef ds:uri="http://purl.org/dc/terms/"/>
+    <ds:schemaRef ds:uri="http://schemas.microsoft.com/internal/obd"/>
   </ds:schemaRefs>
 </ds:datastoreItem>
 </file>